--- a/NDC Minnesota AWS Serverless.pptx
+++ b/NDC Minnesota AWS Serverless.pptx
@@ -373,7 +373,7 @@
             <a:fld id="{0B25AC41-3BEC-9247-8322-91B80C013F2D}" type="datetimeFigureOut">
               <a:rPr lang="en-US" smtClean="0"/>
               <a:pPr/>
-              <a:t>5/8/2018</a:t>
+              <a:t>5/9/2018</a:t>
             </a:fld>
             <a:endParaRPr lang="en-US" dirty="0"/>
           </a:p>
@@ -10584,7 +10584,7 @@
         <p:spPr>
           <a:xfrm>
             <a:off x="500787" y="1828800"/>
-            <a:ext cx="8313760" cy="3077766"/>
+            <a:ext cx="8313760" cy="3570208"/>
           </a:xfrm>
           <a:prstGeom prst="rect">
             <a:avLst/>
@@ -10622,9 +10622,41 @@
               <a:rPr lang="en-US" sz="1600" dirty="0">
                 <a:hlinkClick r:id="rId2"/>
               </a:rPr>
-              <a:t>https://aws.amazon.com/blogs/developer/category/net/</a:t>
-            </a:r>
+              <a:t>https://aws.amazon.com/blogs/developer/category/net</a:t>
+            </a:r>
+            <a:r>
+              <a:rPr lang="en-US" sz="1600" dirty="0" smtClean="0">
+                <a:hlinkClick r:id="rId2"/>
+              </a:rPr>
+              <a:t>/</a:t>
+            </a:r>
+            <a:endParaRPr lang="en-US" sz="1600" dirty="0" smtClean="0"/>
+          </a:p>
+          <a:p>
             <a:endParaRPr lang="en-US" sz="1600" dirty="0"/>
+          </a:p>
+          <a:p>
+            <a:r>
+              <a:rPr lang="en-US" sz="1600" dirty="0" smtClean="0"/>
+              <a:t>Conference Code</a:t>
+            </a:r>
+            <a:r>
+              <a:rPr lang="en-US" sz="1600" dirty="0"/>
+              <a:t>: </a:t>
+            </a:r>
+            <a:r>
+              <a:rPr lang="en-US" sz="1600" dirty="0">
+                <a:hlinkClick r:id="rId3"/>
+              </a:rPr>
+              <a:t>https://</a:t>
+            </a:r>
+            <a:r>
+              <a:rPr lang="en-US" sz="1600" dirty="0" smtClean="0">
+                <a:hlinkClick r:id="rId3"/>
+              </a:rPr>
+              <a:t>github.com/normj/NDCMinnesotaAWSServerless</a:t>
+            </a:r>
+            <a:endParaRPr lang="en-US" sz="1600" dirty="0" smtClean="0"/>
           </a:p>
           <a:p>
             <a:endParaRPr lang="en-US" sz="1600" dirty="0"/>
@@ -10646,7 +10678,7 @@
             </a:r>
             <a:r>
               <a:rPr lang="en-US" sz="1600" dirty="0">
-                <a:hlinkClick r:id="rId3"/>
+                <a:hlinkClick r:id="rId4"/>
               </a:rPr>
               <a:t>https://github.com/aws/aws-lambda-dotnet</a:t>
             </a:r>
@@ -10663,7 +10695,7 @@
             </a:r>
             <a:r>
               <a:rPr lang="en-US" sz="1600" dirty="0">
-                <a:hlinkClick r:id="rId4"/>
+                <a:hlinkClick r:id="rId5"/>
               </a:rPr>
               <a:t>https://github.com/aws/aws-extensions-for-dotnet-cli</a:t>
             </a:r>
@@ -10680,7 +10712,7 @@
             </a:r>
             <a:r>
               <a:rPr lang="en-US" sz="1600" dirty="0">
-                <a:hlinkClick r:id="rId5"/>
+                <a:hlinkClick r:id="rId6"/>
               </a:rPr>
               <a:t>https://github.com/aws/aws-vsts-tools</a:t>
             </a:r>
@@ -10697,7 +10729,7 @@
             </a:r>
             <a:r>
               <a:rPr lang="en-US" sz="1600" dirty="0">
-                <a:hlinkClick r:id="rId6"/>
+                <a:hlinkClick r:id="rId7"/>
               </a:rPr>
               <a:t>https://github.com/aws/aws-sdk-net</a:t>
             </a:r>
@@ -15743,21 +15775,6 @@
 </file>
 
 <file path=customXml/item1.xml><?xml version="1.0" encoding="utf-8"?>
-<?mso-contentType ?>
-<FormTemplates xmlns="http://schemas.microsoft.com/sharepoint/v3/contenttype/forms">
-  <Display>DocumentLibraryForm</Display>
-  <Edit>DocumentLibraryForm</Edit>
-  <New>DocumentLibraryForm</New>
-</FormTemplates>
-</file>
-
-<file path=customXml/item2.xml><?xml version="1.0" encoding="utf-8"?>
-<p:properties xmlns:p="http://schemas.microsoft.com/office/2006/metadata/properties" xmlns:xsi="http://www.w3.org/2001/XMLSchema-instance">
-  <documentManagement/>
-</p:properties>
-</file>
-
-<file path=customXml/item3.xml><?xml version="1.0" encoding="utf-8"?>
 <ct:contentTypeSchema xmlns:ct="http://schemas.microsoft.com/office/2006/metadata/contentType" xmlns:ma="http://schemas.microsoft.com/office/2006/metadata/properties/metaAttributes" ct:_="" ma:_="" ma:contentTypeName="Document" ma:contentTypeID="0x010100D26A3D6C04DFD740953BA1B2B9E62D60" ma:contentTypeVersion="0" ma:contentTypeDescription="Create a new document." ma:contentTypeScope="" ma:versionID="26617cd14cd3af163c0e97ff614e520a">
   <xsd:schema xmlns:xsd="http://www.w3.org/2001/XMLSchema" xmlns:xs="http://www.w3.org/2001/XMLSchema" xmlns:p="http://schemas.microsoft.com/office/2006/metadata/properties" targetNamespace="http://schemas.microsoft.com/office/2006/metadata/properties" ma:root="true" ma:fieldsID="c64490b4aec6201516c3a874156f37b2">
     <xsd:element name="properties">
@@ -15871,10 +15888,33 @@
 </ct:contentTypeSchema>
 </file>
 
+<file path=customXml/item2.xml><?xml version="1.0" encoding="utf-8"?>
+<p:properties xmlns:p="http://schemas.microsoft.com/office/2006/metadata/properties" xmlns:xsi="http://www.w3.org/2001/XMLSchema-instance">
+  <documentManagement/>
+</p:properties>
+</file>
+
+<file path=customXml/item3.xml><?xml version="1.0" encoding="utf-8"?>
+<?mso-contentType ?>
+<FormTemplates xmlns="http://schemas.microsoft.com/sharepoint/v3/contenttype/forms">
+  <Display>DocumentLibraryForm</Display>
+  <Edit>DocumentLibraryForm</Edit>
+  <New>DocumentLibraryForm</New>
+</FormTemplates>
+</file>
+
 <file path=customXml/itemProps1.xml><?xml version="1.0" encoding="utf-8"?>
-<ds:datastoreItem xmlns:ds="http://schemas.openxmlformats.org/officeDocument/2006/customXml" ds:itemID="{705B35A6-8B52-46A5-AE45-B98C6459DC10}">
+<ds:datastoreItem xmlns:ds="http://schemas.openxmlformats.org/officeDocument/2006/customXml" ds:itemID="{51A3258A-222C-4488-825E-7520D001FB75}">
   <ds:schemaRefs>
-    <ds:schemaRef ds:uri="http://schemas.microsoft.com/sharepoint/v3/contenttype/forms"/>
+    <ds:schemaRef ds:uri="http://schemas.microsoft.com/office/2006/metadata/contentType"/>
+    <ds:schemaRef ds:uri="http://schemas.microsoft.com/office/2006/metadata/properties/metaAttributes"/>
+    <ds:schemaRef ds:uri="http://www.w3.org/2001/XMLSchema"/>
+    <ds:schemaRef ds:uri="http://schemas.microsoft.com/office/2006/metadata/properties"/>
+    <ds:schemaRef ds:uri="http://schemas.openxmlformats.org/package/2006/metadata/core-properties"/>
+    <ds:schemaRef ds:uri="http://purl.org/dc/elements/1.1/"/>
+    <ds:schemaRef ds:uri="http://purl.org/dc/terms/"/>
+    <ds:schemaRef ds:uri="http://schemas.microsoft.com/internal/obd"/>
+    <ds:schemaRef ds:uri="http://schemas.microsoft.com/office/infopath/2007/PartnerControls"/>
   </ds:schemaRefs>
 </ds:datastoreItem>
 </file>
@@ -15895,17 +15935,9 @@
 </file>
 
 <file path=customXml/itemProps3.xml><?xml version="1.0" encoding="utf-8"?>
-<ds:datastoreItem xmlns:ds="http://schemas.openxmlformats.org/officeDocument/2006/customXml" ds:itemID="{51A3258A-222C-4488-825E-7520D001FB75}">
+<ds:datastoreItem xmlns:ds="http://schemas.openxmlformats.org/officeDocument/2006/customXml" ds:itemID="{705B35A6-8B52-46A5-AE45-B98C6459DC10}">
   <ds:schemaRefs>
-    <ds:schemaRef ds:uri="http://schemas.microsoft.com/office/2006/metadata/contentType"/>
-    <ds:schemaRef ds:uri="http://schemas.microsoft.com/office/2006/metadata/properties/metaAttributes"/>
-    <ds:schemaRef ds:uri="http://www.w3.org/2001/XMLSchema"/>
-    <ds:schemaRef ds:uri="http://schemas.microsoft.com/office/2006/metadata/properties"/>
-    <ds:schemaRef ds:uri="http://schemas.openxmlformats.org/package/2006/metadata/core-properties"/>
-    <ds:schemaRef ds:uri="http://purl.org/dc/elements/1.1/"/>
-    <ds:schemaRef ds:uri="http://purl.org/dc/terms/"/>
-    <ds:schemaRef ds:uri="http://schemas.microsoft.com/internal/obd"/>
-    <ds:schemaRef ds:uri="http://schemas.microsoft.com/office/infopath/2007/PartnerControls"/>
+    <ds:schemaRef ds:uri="http://schemas.microsoft.com/sharepoint/v3/contenttype/forms"/>
   </ds:schemaRefs>
 </ds:datastoreItem>
 </file>